--- a/inflearn04/doc/3.(심화)프론트엔드와협업합니다.pptx
+++ b/inflearn04/doc/3.(심화)프론트엔드와협업합니다.pptx
@@ -5,20 +5,19 @@
     <p:sldMasterId id="2147483648" r:id="rId1"/>
   </p:sldMasterIdLst>
   <p:notesMasterIdLst>
-    <p:notesMasterId r:id="rId10"/>
+    <p:notesMasterId r:id="rId9"/>
   </p:notesMasterIdLst>
   <p:handoutMasterIdLst>
-    <p:handoutMasterId r:id="rId11"/>
+    <p:handoutMasterId r:id="rId10"/>
   </p:handoutMasterIdLst>
   <p:sldIdLst>
     <p:sldId id="271" r:id="rId2"/>
-    <p:sldId id="275" r:id="rId3"/>
-    <p:sldId id="277" r:id="rId4"/>
-    <p:sldId id="278" r:id="rId5"/>
-    <p:sldId id="280" r:id="rId6"/>
-    <p:sldId id="281" r:id="rId7"/>
-    <p:sldId id="283" r:id="rId8"/>
-    <p:sldId id="284" r:id="rId9"/>
+    <p:sldId id="286" r:id="rId3"/>
+    <p:sldId id="285" r:id="rId4"/>
+    <p:sldId id="287" r:id="rId5"/>
+    <p:sldId id="288" r:id="rId6"/>
+    <p:sldId id="290" r:id="rId7"/>
+    <p:sldId id="289" r:id="rId8"/>
   </p:sldIdLst>
   <p:sldSz cx="12192000" cy="6858000"/>
   <p:notesSz cx="6858000" cy="9144000"/>
@@ -644,7 +643,7 @@
                 <a:latin typeface="맑은 고딕" panose="020B0503020000020004" pitchFamily="50" charset="-127"/>
                 <a:ea typeface="맑은 고딕" panose="020B0503020000020004" pitchFamily="50" charset="-127"/>
               </a:rPr>
-              <a:t>2021년 6월 23일</a:t>
+              <a:t>2021년 7월 13일</a:t>
             </a:fld>
             <a:endParaRPr lang="ko-KR" altLang="en-US">
               <a:latin typeface="맑은 고딕" panose="020B0503020000020004" pitchFamily="50" charset="-127"/>
@@ -830,7 +829,7 @@
             <a:fld id="{BE16EC8A-0758-4FA9-BF4D-3119057076D1}" type="datetime4">
               <a:rPr lang="ko-KR" altLang="en-US" smtClean="0"/>
               <a:pPr/>
-              <a:t>2021년 6월 23일</a:t>
+              <a:t>2021년 7월 13일</a:t>
             </a:fld>
             <a:endParaRPr lang="ko-KR" altLang="en-US"/>
           </a:p>
@@ -3312,7 +3311,7 @@
           <a:p>
             <a:fld id="{2A5B65E4-62A8-4988-B07B-5D6D443B14ED}" type="datetime4">
               <a:rPr lang="ko-KR" altLang="en-US" smtClean="0"/>
-              <a:t>2021년 6월 23일</a:t>
+              <a:t>2021년 7월 13일</a:t>
             </a:fld>
             <a:endParaRPr lang="ko-KR" altLang="en-US"/>
           </a:p>
@@ -3568,7 +3567,7 @@
           <a:p>
             <a:fld id="{58EB6286-0DE7-4336-9826-977AD102FCF2}" type="datetime4">
               <a:rPr lang="ko-KR" altLang="en-US" noProof="0" smtClean="0"/>
-              <a:t>2021년 6월 23일</a:t>
+              <a:t>2021년 7월 13일</a:t>
             </a:fld>
             <a:endParaRPr lang="ko-KR" altLang="en-US" noProof="0"/>
           </a:p>
@@ -3764,7 +3763,7 @@
             <a:pPr rtl="0"/>
             <a:fld id="{6A5419DA-7218-42E5-A443-F000500111E1}" type="datetime4">
               <a:rPr lang="ko-KR" altLang="en-US" noProof="0" smtClean="0"/>
-              <a:t>2021년 6월 23일</a:t>
+              <a:t>2021년 7월 13일</a:t>
             </a:fld>
             <a:endParaRPr lang="ko-KR" altLang="en-US" noProof="0"/>
           </a:p>
@@ -6165,7 +6164,7 @@
           <a:p>
             <a:fld id="{E498C52F-1DF1-4226-BAB6-C1E2EE4C9D62}" type="datetime4">
               <a:rPr lang="ko-KR" altLang="en-US" noProof="0" smtClean="0"/>
-              <a:t>2021년 6월 23일</a:t>
+              <a:t>2021년 7월 13일</a:t>
             </a:fld>
             <a:endParaRPr lang="ko-KR" altLang="en-US" noProof="0"/>
           </a:p>
@@ -6684,7 +6683,7 @@
           <a:p>
             <a:fld id="{7B1E1FFC-F755-4558-8D3C-A157D1A01A8A}" type="datetime4">
               <a:rPr lang="ko-KR" altLang="en-US" noProof="0" smtClean="0"/>
-              <a:t>2021년 6월 23일</a:t>
+              <a:t>2021년 7월 13일</a:t>
             </a:fld>
             <a:endParaRPr lang="ko-KR" altLang="en-US" noProof="0"/>
           </a:p>
@@ -6828,7 +6827,7 @@
             <a:pPr rtl="0"/>
             <a:fld id="{DA2A33C0-A4A8-4C90-B6DA-35B8CF58C816}" type="datetime4">
               <a:rPr lang="ko-KR" altLang="en-US" noProof="0" smtClean="0"/>
-              <a:t>2021년 6월 23일</a:t>
+              <a:t>2021년 7월 13일</a:t>
             </a:fld>
             <a:endParaRPr lang="ko-KR" altLang="en-US" noProof="0"/>
           </a:p>
@@ -8776,7 +8775,7 @@
           <a:p>
             <a:fld id="{53CB1B8F-A14A-4BE4-A9B9-3B263F04145C}" type="datetime4">
               <a:rPr lang="ko-KR" altLang="en-US" noProof="0" smtClean="0"/>
-              <a:t>2021년 6월 23일</a:t>
+              <a:t>2021년 7월 13일</a:t>
             </a:fld>
             <a:endParaRPr lang="ko-KR" altLang="en-US" noProof="0"/>
           </a:p>
@@ -11073,7 +11072,7 @@
           <a:p>
             <a:fld id="{5B9196A3-957C-4113-A568-B6ED9AEA3D01}" type="datetime4">
               <a:rPr lang="ko-KR" altLang="en-US" noProof="0" smtClean="0"/>
-              <a:t>2021년 6월 23일</a:t>
+              <a:t>2021년 7월 13일</a:t>
             </a:fld>
             <a:endParaRPr lang="ko-KR" altLang="en-US" noProof="0"/>
           </a:p>
@@ -15390,7 +15389,7 @@
           <a:p>
             <a:fld id="{28BEB146-D335-4DA5-9826-58595BCDBE2E}" type="datetime4">
               <a:rPr lang="ko-KR" altLang="en-US" noProof="0" smtClean="0"/>
-              <a:t>2021년 6월 23일</a:t>
+              <a:t>2021년 7월 13일</a:t>
             </a:fld>
             <a:endParaRPr lang="ko-KR" altLang="en-US" noProof="0"/>
           </a:p>
@@ -15870,22 +15869,15 @@
           <a:p>
             <a:r>
               <a:rPr lang="ko-KR" altLang="en-US"/>
-              <a:t>높은 응집도와 낮은 결합도를 위한</a:t>
-            </a:r>
-            <a:br>
-              <a:rPr lang="en-US" altLang="ko-KR"/>
-            </a:br>
-            <a:r>
-              <a:rPr lang="ko-KR" altLang="en-US"/>
-              <a:t>패키지</a:t>
+              <a:t>백엔드</a:t>
             </a:r>
             <a:r>
               <a:rPr lang="en-US" altLang="ko-KR"/>
-              <a:t>,</a:t>
+              <a:t>, </a:t>
             </a:r>
             <a:r>
               <a:rPr lang="ko-KR" altLang="en-US"/>
-              <a:t>네이밍규칙</a:t>
+              <a:t>프론트엔드</a:t>
             </a:r>
             <a:endParaRPr lang="ko-KR" altLang="en-US" dirty="0"/>
           </a:p>
@@ -15916,7 +15908,7 @@
           <a:p>
             <a:r>
               <a:rPr lang="ko-KR" altLang="en-US"/>
-              <a:t>응집도</a:t>
+              <a:t>백엔드</a:t>
             </a:r>
             <a:endParaRPr lang="en-US" altLang="ko-KR"/>
           </a:p>
@@ -15924,7 +15916,7 @@
             <a:pPr lvl="1"/>
             <a:r>
               <a:rPr lang="ko-KR" altLang="en-US"/>
-              <a:t>하나의 모듈안에 있는 기능의 모음 정도</a:t>
+              <a:t>데이터를 전달</a:t>
             </a:r>
             <a:endParaRPr lang="en-US" altLang="ko-KR"/>
           </a:p>
@@ -15932,14 +15924,38 @@
             <a:pPr lvl="1"/>
             <a:r>
               <a:rPr lang="ko-KR" altLang="en-US"/>
-              <a:t>높은 응집도는 기능을 쉽게 호출하고 쉽게 사용</a:t>
+              <a:t>일관성</a:t>
+            </a:r>
+            <a:r>
+              <a:rPr lang="en-US" altLang="ko-KR"/>
+              <a:t>, </a:t>
+            </a:r>
+            <a:r>
+              <a:rPr lang="ko-KR" altLang="en-US"/>
+              <a:t>무결성</a:t>
+            </a:r>
+            <a:r>
+              <a:rPr lang="en-US" altLang="ko-KR"/>
+              <a:t>, </a:t>
+            </a:r>
+            <a:r>
+              <a:rPr lang="ko-KR" altLang="en-US"/>
+              <a:t>영속성</a:t>
+            </a:r>
+            <a:r>
+              <a:rPr lang="en-US" altLang="ko-KR"/>
+              <a:t>, </a:t>
+            </a:r>
+            <a:r>
+              <a:rPr lang="ko-KR" altLang="en-US"/>
+              <a:t>성능 등</a:t>
             </a:r>
             <a:endParaRPr lang="en-US" altLang="ko-KR"/>
           </a:p>
           <a:p>
             <a:r>
               <a:rPr lang="ko-KR" altLang="en-US"/>
-              <a:t>결합도</a:t>
+              <a:t>프론트엔드</a:t>
             </a:r>
             <a:endParaRPr lang="en-US" altLang="ko-KR"/>
           </a:p>
@@ -15947,7 +15963,29 @@
             <a:pPr lvl="1"/>
             <a:r>
               <a:rPr lang="ko-KR" altLang="en-US"/>
-              <a:t>두개 이상의 모듈간 영향의 정도</a:t>
+              <a:t>데이터를 표현</a:t>
+            </a:r>
+            <a:endParaRPr lang="en-US" altLang="ko-KR"/>
+          </a:p>
+          <a:p>
+            <a:pPr lvl="1"/>
+            <a:r>
+              <a:rPr lang="en-US" altLang="ko-KR"/>
+              <a:t>UI, UX</a:t>
+            </a:r>
+          </a:p>
+          <a:p>
+            <a:r>
+              <a:rPr lang="ko-KR" altLang="en-US"/>
+              <a:t>백엔드</a:t>
+            </a:r>
+            <a:r>
+              <a:rPr lang="en-US" altLang="ko-KR"/>
+              <a:t>, </a:t>
+            </a:r>
+            <a:r>
+              <a:rPr lang="ko-KR" altLang="en-US"/>
+              <a:t>프론트엔드</a:t>
             </a:r>
             <a:endParaRPr lang="en-US" altLang="ko-KR"/>
           </a:p>
@@ -15955,36 +15993,25 @@
             <a:pPr lvl="1"/>
             <a:r>
               <a:rPr lang="ko-KR" altLang="en-US"/>
-              <a:t>낮은 결합도는 한개의 모듈에 문제가 발생했을때 쉽게 수정</a:t>
-            </a:r>
-            <a:endParaRPr lang="en-US" altLang="ko-KR"/>
-          </a:p>
-          <a:p>
-            <a:r>
-              <a:rPr lang="ko-KR" altLang="en-US"/>
-              <a:t>높은 응집도 낮은 결합도</a:t>
+              <a:t>데이터를 주고 받음</a:t>
             </a:r>
             <a:endParaRPr lang="en-US" altLang="ko-KR"/>
           </a:p>
           <a:p>
             <a:pPr lvl="1"/>
             <a:r>
-              <a:rPr lang="en-US" altLang="ko-KR"/>
-              <a:t>SW </a:t>
+              <a:rPr lang="ko-KR" altLang="en-US">
+                <a:solidFill>
+                  <a:srgbClr val="FF0000"/>
+                </a:solidFill>
+              </a:rPr>
+              <a:t>백엔드와 프론트엔드는 협업할 기술</a:t>
             </a:r>
-            <a:r>
-              <a:rPr lang="ko-KR" altLang="en-US"/>
-              <a:t>위기를 극복하기 위해 재사용이 쉬운 </a:t>
-            </a:r>
-            <a:r>
-              <a:rPr lang="en-US" altLang="ko-KR"/>
-              <a:t>SW </a:t>
-            </a:r>
-            <a:r>
-              <a:rPr lang="ko-KR" altLang="en-US"/>
-              <a:t>를 만들기 위한 기준</a:t>
-            </a:r>
-            <a:endParaRPr lang="en-US" altLang="ko-KR" dirty="0"/>
+            <a:endParaRPr lang="en-US" altLang="ko-KR" dirty="0">
+              <a:solidFill>
+                <a:srgbClr val="FF0000"/>
+              </a:solidFill>
+            </a:endParaRPr>
           </a:p>
         </p:txBody>
       </p:sp>
@@ -16053,22 +16080,7 @@
           <a:p>
             <a:r>
               <a:rPr lang="ko-KR" altLang="en-US"/>
-              <a:t>높은 응집도와 낮은 결합도를 위한</a:t>
-            </a:r>
-            <a:br>
-              <a:rPr lang="en-US" altLang="ko-KR"/>
-            </a:br>
-            <a:r>
-              <a:rPr lang="ko-KR" altLang="en-US"/>
-              <a:t>패키지</a:t>
-            </a:r>
-            <a:r>
-              <a:rPr lang="en-US" altLang="ko-KR"/>
-              <a:t>,</a:t>
-            </a:r>
-            <a:r>
-              <a:rPr lang="ko-KR" altLang="en-US"/>
-              <a:t>네이밍규칙</a:t>
+              <a:t>프론트엔드를 위한 백엔드 역할</a:t>
             </a:r>
             <a:endParaRPr lang="ko-KR" altLang="en-US" dirty="0"/>
           </a:p>
@@ -16093,21 +16105,13 @@
         <p:spPr/>
         <p:txBody>
           <a:bodyPr>
-            <a:normAutofit lnSpcReduction="10000"/>
+            <a:normAutofit/>
           </a:bodyPr>
           <a:lstStyle/>
           <a:p>
             <a:r>
               <a:rPr lang="ko-KR" altLang="en-US"/>
-              <a:t>패키지 규칙</a:t>
-            </a:r>
-            <a:endParaRPr lang="en-US" altLang="ko-KR"/>
-          </a:p>
-          <a:p>
-            <a:pPr lvl="1"/>
-            <a:r>
-              <a:rPr lang="ko-KR" altLang="en-US"/>
-              <a:t>모듈을 찾을 수 있는 디렉토리 정보</a:t>
+              <a:t>정적자원 제공</a:t>
             </a:r>
             <a:endParaRPr lang="en-US" altLang="ko-KR"/>
           </a:p>
@@ -16115,92 +16119,81 @@
             <a:pPr lvl="1"/>
             <a:r>
               <a:rPr lang="en-US" altLang="ko-KR"/>
-              <a:t>com.code5.fw.data.Box</a:t>
+              <a:t>css, js, image, html</a:t>
+            </a:r>
+          </a:p>
+          <a:p>
+            <a:pPr lvl="1"/>
+            <a:r>
+              <a:rPr lang="ko-KR" altLang="en-US">
+                <a:solidFill>
+                  <a:srgbClr val="FF0000"/>
+                </a:solidFill>
+              </a:rPr>
+              <a:t>템플릿</a:t>
+            </a:r>
+            <a:r>
+              <a:rPr lang="ko-KR" altLang="en-US"/>
+              <a:t>으로 반복을 제거</a:t>
+            </a:r>
+            <a:endParaRPr lang="en-US" altLang="ko-KR"/>
+          </a:p>
+          <a:p>
+            <a:r>
+              <a:rPr lang="ko-KR" altLang="en-US"/>
+              <a:t>데이터 전달</a:t>
+            </a:r>
+            <a:endParaRPr lang="en-US" altLang="ko-KR"/>
+          </a:p>
+          <a:p>
+            <a:pPr lvl="1"/>
+            <a:r>
+              <a:rPr lang="en-US" altLang="ko-KR"/>
+              <a:t>json, xml, </a:t>
+            </a:r>
+            <a:r>
+              <a:rPr lang="ko-KR" altLang="en-US"/>
+              <a:t>직렬화</a:t>
+            </a:r>
+            <a:r>
+              <a:rPr lang="en-US" altLang="ko-KR"/>
+              <a:t>, html</a:t>
             </a:r>
           </a:p>
           <a:p>
             <a:pPr lvl="1"/>
             <a:r>
               <a:rPr lang="en-US" altLang="ko-KR"/>
-              <a:t>CLASS_PATH + /com/code5/fw/data/Box.class</a:t>
-            </a:r>
-          </a:p>
-          <a:p>
-            <a:r>
-              <a:rPr lang="ko-KR" altLang="en-US"/>
-              <a:t>네이밍</a:t>
-            </a:r>
-            <a:r>
-              <a:rPr lang="en-US" altLang="ko-KR"/>
-              <a:t>(</a:t>
+              <a:t>MVC</a:t>
             </a:r>
             <a:r>
               <a:rPr lang="ko-KR" altLang="en-US"/>
-              <a:t>이름</a:t>
-            </a:r>
-            <a:r>
-              <a:rPr lang="en-US" altLang="ko-KR"/>
-              <a:t>)</a:t>
-            </a:r>
-            <a:r>
-              <a:rPr lang="ko-KR" altLang="en-US"/>
-              <a:t> 규칙</a:t>
-            </a:r>
-            <a:endParaRPr lang="en-US" altLang="ko-KR"/>
-          </a:p>
-          <a:p>
-            <a:pPr lvl="1"/>
-            <a:r>
-              <a:rPr lang="ko-KR" altLang="en-US"/>
-              <a:t>코드를 위한 규칙</a:t>
+              <a:t> 아키텍쳐 스타일</a:t>
             </a:r>
             <a:endParaRPr lang="en-US" altLang="ko-KR"/>
           </a:p>
           <a:p>
             <a:pPr lvl="2"/>
             <a:r>
-              <a:rPr lang="ko-KR" altLang="en-US"/>
-              <a:t>카멜</a:t>
+              <a:rPr lang="ko-KR" altLang="en-US">
+                <a:solidFill>
+                  <a:srgbClr val="FF0000"/>
+                </a:solidFill>
+              </a:rPr>
+              <a:t>뷰리졸버</a:t>
             </a:r>
-            <a:r>
-              <a:rPr lang="en-US" altLang="ko-KR"/>
-              <a:t>, </a:t>
-            </a:r>
-            <a:r>
-              <a:rPr lang="ko-KR" altLang="en-US"/>
-              <a:t>언더라인</a:t>
-            </a:r>
-            <a:endParaRPr lang="en-US" altLang="ko-KR"/>
-          </a:p>
-          <a:p>
-            <a:pPr lvl="1"/>
-            <a:r>
-              <a:rPr lang="ko-KR" altLang="en-US"/>
-              <a:t>서비스를 구분하기 위한 규칙</a:t>
-            </a:r>
-            <a:endParaRPr lang="en-US" altLang="ko-KR"/>
-          </a:p>
-          <a:p>
-            <a:pPr lvl="2"/>
-            <a:r>
-              <a:rPr lang="en-US" altLang="ko-KR"/>
-              <a:t>Board, Login</a:t>
-            </a:r>
-          </a:p>
-          <a:p>
-            <a:pPr lvl="2"/>
-            <a:r>
-              <a:rPr lang="en-US" altLang="ko-KR"/>
-              <a:t>callList, exeWrite</a:t>
-            </a:r>
-            <a:endParaRPr lang="en-US" altLang="ko-KR" dirty="0"/>
+            <a:endParaRPr lang="en-US" altLang="ko-KR" sz="800" dirty="0">
+              <a:solidFill>
+                <a:srgbClr val="FF0000"/>
+              </a:solidFill>
+            </a:endParaRPr>
           </a:p>
         </p:txBody>
       </p:sp>
     </p:spTree>
     <p:extLst>
       <p:ext uri="{BB962C8B-B14F-4D97-AF65-F5344CB8AC3E}">
-        <p14:creationId xmlns:p14="http://schemas.microsoft.com/office/powerpoint/2010/main" val="3888383171"/>
+        <p14:creationId xmlns:p14="http://schemas.microsoft.com/office/powerpoint/2010/main" val="3368800479"/>
       </p:ext>
     </p:extLst>
   </p:cSld>
@@ -16244,7 +16237,7 @@
           <p:cNvPr id="2" name="제목 1">
             <a:extLst>
               <a:ext uri="{FF2B5EF4-FFF2-40B4-BE49-F238E27FC236}">
-                <a16:creationId xmlns:a16="http://schemas.microsoft.com/office/drawing/2014/main" id="{BA5D0597-4C5A-4BCD-822E-643F66B48745}"/>
+                <a16:creationId xmlns:a16="http://schemas.microsoft.com/office/drawing/2014/main" id="{ECE38D4E-67D4-4A62-B70E-14AAEACD464E}"/>
               </a:ext>
             </a:extLst>
           </p:cNvPr>
@@ -16262,9 +16255,8 @@
           <a:p>
             <a:r>
               <a:rPr lang="ko-KR" altLang="en-US"/>
-              <a:t>패키지 규칙</a:t>
+              <a:t>템플릿</a:t>
             </a:r>
-            <a:endParaRPr lang="ko-KR" altLang="en-US" dirty="0"/>
           </a:p>
         </p:txBody>
       </p:sp>
@@ -16273,7 +16265,7 @@
           <p:cNvPr id="3" name="내용 개체 틀 2">
             <a:extLst>
               <a:ext uri="{FF2B5EF4-FFF2-40B4-BE49-F238E27FC236}">
-                <a16:creationId xmlns:a16="http://schemas.microsoft.com/office/drawing/2014/main" id="{0C9231FF-28EB-4164-A188-3E920050747B}"/>
+                <a16:creationId xmlns:a16="http://schemas.microsoft.com/office/drawing/2014/main" id="{C9ED4F31-9F2C-4B26-AA65-E9B332745754}"/>
               </a:ext>
             </a:extLst>
           </p:cNvPr>
@@ -16286,336 +16278,139 @@
         </p:nvSpPr>
         <p:spPr/>
         <p:txBody>
-          <a:bodyPr>
-            <a:normAutofit lnSpcReduction="10000"/>
-          </a:bodyPr>
+          <a:bodyPr/>
           <a:lstStyle/>
           <a:p>
             <a:r>
               <a:rPr lang="ko-KR" altLang="en-US"/>
-              <a:t>패키지 </a:t>
+              <a:t>반복되는 프론트엔드 영역을 재사용</a:t>
             </a:r>
-            <a:r>
-              <a:rPr lang="en-US" altLang="ko-KR"/>
-              <a:t>2</a:t>
-            </a:r>
-            <a:r>
-              <a:rPr lang="ko-KR" altLang="en-US"/>
-              <a:t>가지 방법</a:t>
-            </a:r>
-            <a:endParaRPr lang="en-US" altLang="ko-KR"/>
-          </a:p>
-          <a:p>
-            <a:pPr lvl="1"/>
-            <a:r>
-              <a:rPr lang="ko-KR" altLang="en-US"/>
-              <a:t>역할 정보로 패키지</a:t>
-            </a:r>
-            <a:endParaRPr lang="en-US" altLang="ko-KR"/>
-          </a:p>
-          <a:p>
-            <a:pPr lvl="2"/>
-            <a:r>
-              <a:rPr lang="ko-KR" altLang="en-US"/>
-              <a:t>콘트롤러</a:t>
-            </a:r>
-            <a:r>
-              <a:rPr lang="en-US" altLang="ko-KR"/>
-              <a:t>(</a:t>
-            </a:r>
-            <a:r>
-              <a:rPr lang="ko-KR" altLang="en-US"/>
-              <a:t>서비스</a:t>
-            </a:r>
-            <a:r>
-              <a:rPr lang="en-US" altLang="ko-KR"/>
-              <a:t>), DAO, </a:t>
-            </a:r>
-            <a:r>
-              <a:rPr lang="ko-KR" altLang="en-US"/>
-              <a:t>모델 등</a:t>
-            </a:r>
-            <a:endParaRPr lang="en-US" altLang="ko-KR"/>
-          </a:p>
-          <a:p>
-            <a:pPr lvl="2"/>
-            <a:r>
-              <a:rPr lang="ko-KR" altLang="en-US"/>
-              <a:t>정돈된 느낌</a:t>
-            </a:r>
-            <a:endParaRPr lang="en-US" altLang="ko-KR"/>
-          </a:p>
-          <a:p>
-            <a:pPr lvl="2"/>
-            <a:r>
-              <a:rPr lang="en-US" altLang="ko-KR"/>
-              <a:t>2</a:t>
-            </a:r>
-            <a:r>
-              <a:rPr lang="ko-KR" altLang="en-US"/>
-              <a:t>개이상의 패키지 모듈을 조합해 하나의 기능 구현</a:t>
-            </a:r>
-            <a:endParaRPr lang="en-US" altLang="ko-KR"/>
-          </a:p>
-          <a:p>
-            <a:pPr lvl="2"/>
-            <a:r>
-              <a:rPr lang="en-US" altLang="ko-KR"/>
-              <a:t>public </a:t>
-            </a:r>
-            <a:r>
-              <a:rPr lang="ko-KR" altLang="en-US"/>
-              <a:t>으로 제공되는 기능</a:t>
-            </a:r>
-            <a:endParaRPr lang="en-US" altLang="ko-KR"/>
-          </a:p>
-          <a:p>
-            <a:pPr lvl="2"/>
-            <a:r>
-              <a:rPr lang="ko-KR" altLang="en-US">
-                <a:solidFill>
-                  <a:srgbClr val="FF0000"/>
-                </a:solidFill>
-              </a:rPr>
-              <a:t>낮은 응집도</a:t>
-            </a:r>
-            <a:r>
-              <a:rPr lang="en-US" altLang="ko-KR">
-                <a:solidFill>
-                  <a:srgbClr val="FF0000"/>
-                </a:solidFill>
-              </a:rPr>
-              <a:t>, </a:t>
-            </a:r>
-            <a:r>
-              <a:rPr lang="ko-KR" altLang="en-US">
-                <a:solidFill>
-                  <a:srgbClr val="FF0000"/>
-                </a:solidFill>
-              </a:rPr>
-              <a:t>높은 결합도</a:t>
-            </a:r>
-            <a:endParaRPr lang="en-US" altLang="ko-KR">
-              <a:solidFill>
-                <a:srgbClr val="FF0000"/>
-              </a:solidFill>
-            </a:endParaRPr>
-          </a:p>
-          <a:p>
-            <a:pPr lvl="1"/>
-            <a:r>
-              <a:rPr lang="ko-KR" altLang="en-US"/>
-              <a:t>서비스 정보로 패키지</a:t>
-            </a:r>
-            <a:endParaRPr lang="en-US" altLang="ko-KR"/>
-          </a:p>
-          <a:p>
-            <a:pPr lvl="2"/>
-            <a:r>
-              <a:rPr lang="ko-KR" altLang="en-US"/>
-              <a:t>서비스 기준</a:t>
-            </a:r>
-            <a:endParaRPr lang="en-US" altLang="ko-KR"/>
-          </a:p>
-          <a:p>
-            <a:pPr lvl="2"/>
-            <a:r>
-              <a:rPr lang="en-US" altLang="ko-KR"/>
-              <a:t>1</a:t>
-            </a:r>
-            <a:r>
-              <a:rPr lang="ko-KR" altLang="en-US"/>
-              <a:t>개의 패키지 모듈을 조합해 하나의 기능 구현</a:t>
-            </a:r>
-            <a:endParaRPr lang="en-US" altLang="ko-KR"/>
-          </a:p>
-          <a:p>
-            <a:pPr lvl="2"/>
-            <a:r>
-              <a:rPr lang="en-US" altLang="ko-KR"/>
-              <a:t>default </a:t>
-            </a:r>
-            <a:r>
-              <a:rPr lang="ko-KR" altLang="en-US"/>
-              <a:t>로 제공되는 기능</a:t>
-            </a:r>
-            <a:endParaRPr lang="en-US" altLang="ko-KR"/>
-          </a:p>
-          <a:p>
-            <a:pPr lvl="2"/>
-            <a:r>
-              <a:rPr lang="ko-KR" altLang="en-US">
-                <a:solidFill>
-                  <a:srgbClr val="FF0000"/>
-                </a:solidFill>
-              </a:rPr>
-              <a:t>높은 응집도</a:t>
-            </a:r>
-            <a:r>
-              <a:rPr lang="en-US" altLang="ko-KR">
-                <a:solidFill>
-                  <a:srgbClr val="FF0000"/>
-                </a:solidFill>
-              </a:rPr>
-              <a:t>, </a:t>
-            </a:r>
-            <a:r>
-              <a:rPr lang="ko-KR" altLang="en-US">
-                <a:solidFill>
-                  <a:srgbClr val="FF0000"/>
-                </a:solidFill>
-              </a:rPr>
-              <a:t>낮은 결합도</a:t>
-            </a:r>
-            <a:r>
-              <a:rPr lang="en-US" altLang="ko-KR">
-                <a:solidFill>
-                  <a:srgbClr val="FF0000"/>
-                </a:solidFill>
-              </a:rPr>
-              <a:t> </a:t>
-            </a:r>
-          </a:p>
-          <a:p>
-            <a:pPr marL="506412" lvl="2" indent="0">
-              <a:buNone/>
-            </a:pPr>
-            <a:endParaRPr lang="en-US" altLang="ko-KR" dirty="0"/>
           </a:p>
         </p:txBody>
       </p:sp>
-      <p:sp>
-        <p:nvSpPr>
-          <p:cNvPr id="4" name="TextBox 3">
+      <p:pic>
+        <p:nvPicPr>
+          <p:cNvPr id="5" name="그림 4">
             <a:extLst>
               <a:ext uri="{FF2B5EF4-FFF2-40B4-BE49-F238E27FC236}">
-                <a16:creationId xmlns:a16="http://schemas.microsoft.com/office/drawing/2014/main" id="{9A6A883A-491A-4A78-BF54-742B5BC97FF2}"/>
+                <a16:creationId xmlns:a16="http://schemas.microsoft.com/office/drawing/2014/main" id="{0007719E-1735-4F5F-AD4E-A6BE268D8B77}"/>
               </a:ext>
             </a:extLst>
           </p:cNvPr>
-          <p:cNvSpPr txBox="1"/>
+          <p:cNvPicPr>
+            <a:picLocks noChangeAspect="1"/>
+          </p:cNvPicPr>
           <p:nvPr/>
-        </p:nvSpPr>
+        </p:nvPicPr>
+        <p:blipFill>
+          <a:blip r:embed="rId2"/>
+          <a:stretch>
+            <a:fillRect/>
+          </a:stretch>
+        </p:blipFill>
         <p:spPr>
           <a:xfrm>
-            <a:off x="7733066" y="1991013"/>
-            <a:ext cx="2630641" cy="1200329"/>
+            <a:off x="1522428" y="4181395"/>
+            <a:ext cx="3772426" cy="1924319"/>
           </a:xfrm>
           <a:prstGeom prst="rect">
             <a:avLst/>
           </a:prstGeom>
         </p:spPr>
-        <p:style>
-          <a:lnRef idx="2">
-            <a:schemeClr val="dk1"/>
-          </a:lnRef>
-          <a:fillRef idx="1">
-            <a:schemeClr val="lt1"/>
-          </a:fillRef>
-          <a:effectRef idx="0">
-            <a:schemeClr val="dk1"/>
-          </a:effectRef>
-          <a:fontRef idx="minor">
-            <a:schemeClr val="dk1"/>
-          </a:fontRef>
-        </p:style>
-        <p:txBody>
-          <a:bodyPr wrap="square" rtlCol="0" anchor="ctr" anchorCtr="0">
-            <a:spAutoFit/>
-          </a:bodyPr>
-          <a:lstStyle/>
-          <a:p>
-            <a:r>
-              <a:rPr lang="en-US" altLang="ko-KR"/>
-              <a:t>com.biz.service.Board</a:t>
-            </a:r>
-          </a:p>
-          <a:p>
-            <a:r>
-              <a:rPr lang="en-US" altLang="ko-KR"/>
-              <a:t>com.biz.service.Login</a:t>
-            </a:r>
-          </a:p>
-          <a:p>
-            <a:r>
-              <a:rPr lang="en-US" altLang="ko-KR"/>
-              <a:t>com.biz.dao.BaordD</a:t>
-            </a:r>
-          </a:p>
-          <a:p>
-            <a:r>
-              <a:rPr lang="en-US" altLang="ko-KR"/>
-              <a:t>com.biz.dao.LoginD</a:t>
-            </a:r>
-            <a:endParaRPr lang="ko-KR" altLang="en-US"/>
-          </a:p>
-        </p:txBody>
-      </p:sp>
-      <p:sp>
-        <p:nvSpPr>
-          <p:cNvPr id="6" name="TextBox 5">
+      </p:pic>
+      <p:pic>
+        <p:nvPicPr>
+          <p:cNvPr id="7" name="그림 6">
             <a:extLst>
               <a:ext uri="{FF2B5EF4-FFF2-40B4-BE49-F238E27FC236}">
-                <a16:creationId xmlns:a16="http://schemas.microsoft.com/office/drawing/2014/main" id="{E7E31684-56F8-4771-9F17-DA464CF422FE}"/>
+                <a16:creationId xmlns:a16="http://schemas.microsoft.com/office/drawing/2014/main" id="{81FBB922-A64E-4D8E-BCCE-6757E5C197F3}"/>
               </a:ext>
             </a:extLst>
           </p:cNvPr>
-          <p:cNvSpPr txBox="1"/>
+          <p:cNvPicPr>
+            <a:picLocks noChangeAspect="1"/>
+          </p:cNvPicPr>
           <p:nvPr/>
-        </p:nvSpPr>
+        </p:nvPicPr>
+        <p:blipFill>
+          <a:blip r:embed="rId3"/>
+          <a:stretch>
+            <a:fillRect/>
+          </a:stretch>
+        </p:blipFill>
         <p:spPr>
           <a:xfrm>
-            <a:off x="7733066" y="4390713"/>
-            <a:ext cx="2630641" cy="923330"/>
+            <a:off x="6582590" y="2447458"/>
+            <a:ext cx="4991797" cy="2219635"/>
           </a:xfrm>
           <a:prstGeom prst="rect">
             <a:avLst/>
           </a:prstGeom>
         </p:spPr>
-        <p:style>
-          <a:lnRef idx="2">
-            <a:schemeClr val="dk1"/>
-          </a:lnRef>
-          <a:fillRef idx="1">
-            <a:schemeClr val="lt1"/>
-          </a:fillRef>
-          <a:effectRef idx="0">
-            <a:schemeClr val="dk1"/>
-          </a:effectRef>
-          <a:fontRef idx="minor">
-            <a:schemeClr val="dk1"/>
-          </a:fontRef>
-        </p:style>
-        <p:txBody>
-          <a:bodyPr wrap="square" rtlCol="0" anchor="ctr" anchorCtr="0">
-            <a:spAutoFit/>
-          </a:bodyPr>
-          <a:lstStyle/>
-          <a:p>
-            <a:r>
-              <a:rPr lang="en-US" altLang="ko-KR"/>
-              <a:t>com.biz.brd.Bdg01</a:t>
-            </a:r>
-          </a:p>
-          <a:p>
-            <a:r>
-              <a:rPr lang="en-US" altLang="ko-KR"/>
-              <a:t>com.biz.brd.Bdg02</a:t>
-            </a:r>
-          </a:p>
-          <a:p>
-            <a:r>
-              <a:rPr lang="en-US" altLang="ko-KR"/>
-              <a:t>com.biz.brd.BdgD</a:t>
-            </a:r>
-            <a:endParaRPr lang="ko-KR" altLang="en-US"/>
-          </a:p>
-        </p:txBody>
-      </p:sp>
+      </p:pic>
+      <p:pic>
+        <p:nvPicPr>
+          <p:cNvPr id="9" name="그림 8">
+            <a:extLst>
+              <a:ext uri="{FF2B5EF4-FFF2-40B4-BE49-F238E27FC236}">
+                <a16:creationId xmlns:a16="http://schemas.microsoft.com/office/drawing/2014/main" id="{8CFF3E0D-14A3-4E53-871D-2816402799CB}"/>
+              </a:ext>
+            </a:extLst>
+          </p:cNvPr>
+          <p:cNvPicPr>
+            <a:picLocks noChangeAspect="1"/>
+          </p:cNvPicPr>
+          <p:nvPr/>
+        </p:nvPicPr>
+        <p:blipFill>
+          <a:blip r:embed="rId4"/>
+          <a:stretch>
+            <a:fillRect/>
+          </a:stretch>
+        </p:blipFill>
+        <p:spPr>
+          <a:xfrm>
+            <a:off x="6636468" y="4824350"/>
+            <a:ext cx="3400900" cy="1124107"/>
+          </a:xfrm>
+          <a:prstGeom prst="rect">
+            <a:avLst/>
+          </a:prstGeom>
+        </p:spPr>
+      </p:pic>
+      <p:pic>
+        <p:nvPicPr>
+          <p:cNvPr id="11" name="그림 10">
+            <a:extLst>
+              <a:ext uri="{FF2B5EF4-FFF2-40B4-BE49-F238E27FC236}">
+                <a16:creationId xmlns:a16="http://schemas.microsoft.com/office/drawing/2014/main" id="{6FE10B18-9EA7-4C42-8E97-CE94846C051E}"/>
+              </a:ext>
+            </a:extLst>
+          </p:cNvPr>
+          <p:cNvPicPr>
+            <a:picLocks noChangeAspect="1"/>
+          </p:cNvPicPr>
+          <p:nvPr/>
+        </p:nvPicPr>
+        <p:blipFill rotWithShape="1">
+          <a:blip r:embed="rId5"/>
+          <a:srcRect t="3204"/>
+          <a:stretch/>
+        </p:blipFill>
+        <p:spPr>
+          <a:xfrm>
+            <a:off x="1433748" y="2547756"/>
+            <a:ext cx="3391373" cy="1466158"/>
+          </a:xfrm>
+          <a:prstGeom prst="rect">
+            <a:avLst/>
+          </a:prstGeom>
+        </p:spPr>
+      </p:pic>
     </p:spTree>
     <p:extLst>
       <p:ext uri="{BB962C8B-B14F-4D97-AF65-F5344CB8AC3E}">
-        <p14:creationId xmlns:p14="http://schemas.microsoft.com/office/powerpoint/2010/main" val="4256959641"/>
+        <p14:creationId xmlns:p14="http://schemas.microsoft.com/office/powerpoint/2010/main" val="2768508817"/>
       </p:ext>
     </p:extLst>
   </p:cSld>
@@ -16659,7 +16454,7 @@
           <p:cNvPr id="2" name="제목 1">
             <a:extLst>
               <a:ext uri="{FF2B5EF4-FFF2-40B4-BE49-F238E27FC236}">
-                <a16:creationId xmlns:a16="http://schemas.microsoft.com/office/drawing/2014/main" id="{BA5D0597-4C5A-4BCD-822E-643F66B48745}"/>
+                <a16:creationId xmlns:a16="http://schemas.microsoft.com/office/drawing/2014/main" id="{ECE38D4E-67D4-4A62-B70E-14AAEACD464E}"/>
               </a:ext>
             </a:extLst>
           </p:cNvPr>
@@ -16677,9 +16472,8 @@
           <a:p>
             <a:r>
               <a:rPr lang="ko-KR" altLang="en-US"/>
-              <a:t>패키지 규칙</a:t>
+              <a:t>템플릿</a:t>
             </a:r>
-            <a:endParaRPr lang="ko-KR" altLang="en-US" dirty="0"/>
           </a:p>
         </p:txBody>
       </p:sp>
@@ -16688,7 +16482,7 @@
           <p:cNvPr id="3" name="내용 개체 틀 2">
             <a:extLst>
               <a:ext uri="{FF2B5EF4-FFF2-40B4-BE49-F238E27FC236}">
-                <a16:creationId xmlns:a16="http://schemas.microsoft.com/office/drawing/2014/main" id="{0C9231FF-28EB-4164-A188-3E920050747B}"/>
+                <a16:creationId xmlns:a16="http://schemas.microsoft.com/office/drawing/2014/main" id="{C9ED4F31-9F2C-4B26-AA65-E9B332745754}"/>
               </a:ext>
             </a:extLst>
           </p:cNvPr>
@@ -16701,157 +16495,22 @@
         </p:nvSpPr>
         <p:spPr/>
         <p:txBody>
-          <a:bodyPr>
-            <a:normAutofit/>
-          </a:bodyPr>
+          <a:bodyPr/>
           <a:lstStyle/>
           <a:p>
             <a:r>
               <a:rPr lang="ko-KR" altLang="en-US"/>
-              <a:t>서비스 정보로 패키지 하는 이유 </a:t>
+              <a:t>반복되는 프론트엔드 영역을 재사용</a:t>
             </a:r>
-            <a:endParaRPr lang="en-US" altLang="ko-KR"/>
-          </a:p>
-          <a:p>
-            <a:pPr lvl="1"/>
-            <a:r>
-              <a:rPr lang="en-US" altLang="ko-KR">
-                <a:solidFill>
-                  <a:srgbClr val="FF0000"/>
-                </a:solidFill>
-              </a:rPr>
-              <a:t>IoC</a:t>
-            </a:r>
-            <a:r>
-              <a:rPr lang="ko-KR" altLang="en-US">
-                <a:solidFill>
-                  <a:srgbClr val="FF0000"/>
-                </a:solidFill>
-              </a:rPr>
-              <a:t> 로 만들어진 서비스를 쉽게 사용</a:t>
-            </a:r>
-            <a:endParaRPr lang="en-US" altLang="ko-KR">
-              <a:solidFill>
-                <a:srgbClr val="FF0000"/>
-              </a:solidFill>
-            </a:endParaRPr>
-          </a:p>
-          <a:p>
-            <a:pPr lvl="2"/>
-            <a:r>
-              <a:rPr lang="ko-KR" altLang="en-US">
-                <a:solidFill>
-                  <a:srgbClr val="FF0000"/>
-                </a:solidFill>
-              </a:rPr>
-              <a:t>쉬운 </a:t>
-            </a:r>
-            <a:r>
-              <a:rPr lang="en-US" altLang="ko-KR">
-                <a:solidFill>
-                  <a:srgbClr val="FF0000"/>
-                </a:solidFill>
-              </a:rPr>
-              <a:t>SW </a:t>
-            </a:r>
-            <a:r>
-              <a:rPr lang="ko-KR" altLang="en-US">
-                <a:solidFill>
-                  <a:srgbClr val="FF0000"/>
-                </a:solidFill>
-              </a:rPr>
-              <a:t>재사용 </a:t>
-            </a:r>
-            <a:endParaRPr lang="en-US" altLang="ko-KR">
-              <a:solidFill>
-                <a:srgbClr val="FF0000"/>
-              </a:solidFill>
-            </a:endParaRPr>
-          </a:p>
-          <a:p>
-            <a:pPr lvl="1"/>
-            <a:r>
-              <a:rPr lang="ko-KR" altLang="en-US"/>
-              <a:t>응집도를 높히고 결합도를 낮춤</a:t>
-            </a:r>
-            <a:endParaRPr lang="en-US" altLang="ko-KR"/>
-          </a:p>
-          <a:p>
-            <a:pPr lvl="2"/>
-            <a:r>
-              <a:rPr lang="ko-KR" altLang="en-US"/>
-              <a:t>높은 응집도 </a:t>
-            </a:r>
-            <a:r>
-              <a:rPr lang="en-US" altLang="ko-KR"/>
-              <a:t>: (DAO, </a:t>
-            </a:r>
-            <a:r>
-              <a:rPr lang="ko-KR" altLang="en-US"/>
-              <a:t>유틸</a:t>
-            </a:r>
-            <a:r>
-              <a:rPr lang="en-US" altLang="ko-KR"/>
-              <a:t>, </a:t>
-            </a:r>
-            <a:r>
-              <a:rPr lang="ko-KR" altLang="en-US"/>
-              <a:t>다른서비스</a:t>
-            </a:r>
-            <a:r>
-              <a:rPr lang="en-US" altLang="ko-KR"/>
-              <a:t>) + </a:t>
-            </a:r>
-            <a:r>
-              <a:rPr lang="ko-KR" altLang="en-US"/>
-              <a:t>개발자코드 </a:t>
-            </a:r>
-            <a:r>
-              <a:rPr lang="en-US" altLang="ko-KR"/>
-              <a:t>= </a:t>
-            </a:r>
-            <a:r>
-              <a:rPr lang="ko-KR" altLang="en-US"/>
-              <a:t>서비스</a:t>
-            </a:r>
-            <a:endParaRPr lang="en-US" altLang="ko-KR">
-              <a:solidFill>
-                <a:srgbClr val="FF0000"/>
-              </a:solidFill>
-            </a:endParaRPr>
-          </a:p>
-          <a:p>
-            <a:pPr lvl="2"/>
-            <a:r>
-              <a:rPr lang="ko-KR" altLang="en-US"/>
-              <a:t>낮은 결합도 </a:t>
-            </a:r>
-            <a:r>
-              <a:rPr lang="en-US" altLang="ko-KR"/>
-              <a:t>: private </a:t>
-            </a:r>
-            <a:r>
-              <a:rPr lang="ko-KR" altLang="en-US"/>
-              <a:t>또는 </a:t>
-            </a:r>
-            <a:r>
-              <a:rPr lang="en-US" altLang="ko-KR"/>
-              <a:t>default </a:t>
-            </a:r>
-            <a:r>
-              <a:rPr lang="ko-KR" altLang="en-US"/>
-              <a:t>로 기능을 최대한 감추고 필요한것만 외부에 공개</a:t>
-            </a:r>
-            <a:endParaRPr lang="en-US" altLang="ko-KR"/>
           </a:p>
         </p:txBody>
       </p:sp>
       <p:pic>
         <p:nvPicPr>
-          <p:cNvPr id="7" name="그림 6">
+          <p:cNvPr id="6" name="그림 5">
             <a:extLst>
               <a:ext uri="{FF2B5EF4-FFF2-40B4-BE49-F238E27FC236}">
-                <a16:creationId xmlns:a16="http://schemas.microsoft.com/office/drawing/2014/main" id="{80D68F50-DC43-4452-A7DD-946E492BFF9C}"/>
+                <a16:creationId xmlns:a16="http://schemas.microsoft.com/office/drawing/2014/main" id="{005E5584-C720-4E1D-94BC-D4C7DC85AB2E}"/>
               </a:ext>
             </a:extLst>
           </p:cNvPr>
@@ -16860,15 +16519,16 @@
           </p:cNvPicPr>
           <p:nvPr/>
         </p:nvPicPr>
-        <p:blipFill rotWithShape="1">
+        <p:blipFill>
           <a:blip r:embed="rId2"/>
-          <a:srcRect t="44872"/>
-          <a:stretch/>
+          <a:stretch>
+            <a:fillRect/>
+          </a:stretch>
         </p:blipFill>
         <p:spPr>
           <a:xfrm>
-            <a:off x="1661564" y="4508014"/>
-            <a:ext cx="3963122" cy="1283186"/>
+            <a:off x="1699507" y="3267690"/>
+            <a:ext cx="2209380" cy="1822335"/>
           </a:xfrm>
           <a:prstGeom prst="rect">
             <a:avLst/>
@@ -16877,10 +16537,10 @@
       </p:pic>
       <p:pic>
         <p:nvPicPr>
-          <p:cNvPr id="9" name="그림 8">
+          <p:cNvPr id="16" name="그림 15">
             <a:extLst>
               <a:ext uri="{FF2B5EF4-FFF2-40B4-BE49-F238E27FC236}">
-                <a16:creationId xmlns:a16="http://schemas.microsoft.com/office/drawing/2014/main" id="{72FE8187-3F8E-43E3-8184-391C65596021}"/>
+                <a16:creationId xmlns:a16="http://schemas.microsoft.com/office/drawing/2014/main" id="{8D4F33BA-7250-4416-9C55-DBD9158EC17A}"/>
               </a:ext>
             </a:extLst>
           </p:cNvPr>
@@ -16897,8 +16557,38 @@
         </p:blipFill>
         <p:spPr>
           <a:xfrm>
-            <a:off x="6172014" y="4508014"/>
-            <a:ext cx="4177258" cy="1497646"/>
+            <a:off x="6740580" y="524567"/>
+            <a:ext cx="2717528" cy="2795434"/>
+          </a:xfrm>
+          <a:prstGeom prst="rect">
+            <a:avLst/>
+          </a:prstGeom>
+        </p:spPr>
+      </p:pic>
+      <p:pic>
+        <p:nvPicPr>
+          <p:cNvPr id="18" name="그림 17">
+            <a:extLst>
+              <a:ext uri="{FF2B5EF4-FFF2-40B4-BE49-F238E27FC236}">
+                <a16:creationId xmlns:a16="http://schemas.microsoft.com/office/drawing/2014/main" id="{4646A1EB-5804-4985-B2C6-028DAA002E14}"/>
+              </a:ext>
+            </a:extLst>
+          </p:cNvPr>
+          <p:cNvPicPr>
+            <a:picLocks noChangeAspect="1"/>
+          </p:cNvPicPr>
+          <p:nvPr/>
+        </p:nvPicPr>
+        <p:blipFill>
+          <a:blip r:embed="rId4"/>
+          <a:stretch>
+            <a:fillRect/>
+          </a:stretch>
+        </p:blipFill>
+        <p:spPr>
+          <a:xfrm>
+            <a:off x="6740580" y="3439400"/>
+            <a:ext cx="3032341" cy="2506623"/>
           </a:xfrm>
           <a:prstGeom prst="rect">
             <a:avLst/>
@@ -16908,7 +16598,7 @@
     </p:spTree>
     <p:extLst>
       <p:ext uri="{BB962C8B-B14F-4D97-AF65-F5344CB8AC3E}">
-        <p14:creationId xmlns:p14="http://schemas.microsoft.com/office/powerpoint/2010/main" val="1861842063"/>
+        <p14:creationId xmlns:p14="http://schemas.microsoft.com/office/powerpoint/2010/main" val="3204148269"/>
       </p:ext>
     </p:extLst>
   </p:cSld>
@@ -16952,7 +16642,7 @@
           <p:cNvPr id="2" name="제목 1">
             <a:extLst>
               <a:ext uri="{FF2B5EF4-FFF2-40B4-BE49-F238E27FC236}">
-                <a16:creationId xmlns:a16="http://schemas.microsoft.com/office/drawing/2014/main" id="{BA5D0597-4C5A-4BCD-822E-643F66B48745}"/>
+                <a16:creationId xmlns:a16="http://schemas.microsoft.com/office/drawing/2014/main" id="{ECE38D4E-67D4-4A62-B70E-14AAEACD464E}"/>
               </a:ext>
             </a:extLst>
           </p:cNvPr>
@@ -16970,9 +16660,8 @@
           <a:p>
             <a:r>
               <a:rPr lang="ko-KR" altLang="en-US"/>
-              <a:t>네이밍 규칙</a:t>
+              <a:t>뷰리졸버</a:t>
             </a:r>
-            <a:endParaRPr lang="ko-KR" altLang="en-US" dirty="0"/>
           </a:p>
         </p:txBody>
       </p:sp>
@@ -16981,7 +16670,7 @@
           <p:cNvPr id="3" name="내용 개체 틀 2">
             <a:extLst>
               <a:ext uri="{FF2B5EF4-FFF2-40B4-BE49-F238E27FC236}">
-                <a16:creationId xmlns:a16="http://schemas.microsoft.com/office/drawing/2014/main" id="{0C9231FF-28EB-4164-A188-3E920050747B}"/>
+                <a16:creationId xmlns:a16="http://schemas.microsoft.com/office/drawing/2014/main" id="{C9ED4F31-9F2C-4B26-AA65-E9B332745754}"/>
               </a:ext>
             </a:extLst>
           </p:cNvPr>
@@ -16994,231 +16683,22 @@
         </p:nvSpPr>
         <p:spPr/>
         <p:txBody>
-          <a:bodyPr>
-            <a:normAutofit fontScale="92500" lnSpcReduction="20000"/>
-          </a:bodyPr>
+          <a:bodyPr/>
           <a:lstStyle/>
           <a:p>
             <a:r>
               <a:rPr lang="ko-KR" altLang="en-US"/>
-              <a:t>코드를 위한 규칙</a:t>
+              <a:t>서비스 로직과 표현을 분리</a:t>
             </a:r>
-            <a:endParaRPr lang="en-US" altLang="ko-KR"/>
-          </a:p>
-          <a:p>
-            <a:pPr lvl="1"/>
-            <a:r>
-              <a:rPr lang="ko-KR" altLang="en-US"/>
-              <a:t>언더라인 표현법</a:t>
-            </a:r>
-            <a:endParaRPr lang="en-US" altLang="ko-KR"/>
-          </a:p>
-          <a:p>
-            <a:pPr lvl="2"/>
-            <a:r>
-              <a:rPr lang="ko-KR" altLang="en-US"/>
-              <a:t>데이터를 사용할 때</a:t>
-            </a:r>
-            <a:endParaRPr lang="en-US" altLang="ko-KR"/>
-          </a:p>
-          <a:p>
-            <a:pPr lvl="3"/>
-            <a:r>
-              <a:rPr lang="en-US" altLang="ko-KR"/>
-              <a:t>HTML, DBMS,</a:t>
-            </a:r>
-            <a:r>
-              <a:rPr lang="ko-KR" altLang="en-US"/>
-              <a:t> 상수</a:t>
-            </a:r>
-            <a:r>
-              <a:rPr lang="en-US" altLang="ko-KR"/>
-              <a:t> </a:t>
-            </a:r>
-            <a:r>
-              <a:rPr lang="ko-KR" altLang="en-US"/>
-              <a:t>등</a:t>
-            </a:r>
-            <a:endParaRPr lang="en-US" altLang="ko-KR"/>
-          </a:p>
-          <a:p>
-            <a:pPr lvl="2"/>
-            <a:r>
-              <a:rPr lang="en-US" altLang="ko-KR" sz="1800">
-                <a:solidFill>
-                  <a:srgbClr val="000000"/>
-                </a:solidFill>
-                <a:latin typeface="Consolas" panose="020B0609020204030204" pitchFamily="49" charset="0"/>
-              </a:rPr>
-              <a:t>String </a:t>
-            </a:r>
-            <a:r>
-              <a:rPr lang="en-US" altLang="ko-KR" sz="1800">
-                <a:solidFill>
-                  <a:srgbClr val="6A3E3E"/>
-                </a:solidFill>
-                <a:latin typeface="Consolas" panose="020B0609020204030204" pitchFamily="49" charset="0"/>
-              </a:rPr>
-              <a:t>FIND_STR</a:t>
-            </a:r>
-            <a:r>
-              <a:rPr lang="en-US" altLang="ko-KR" sz="1800">
-                <a:solidFill>
-                  <a:srgbClr val="000000"/>
-                </a:solidFill>
-                <a:latin typeface="Consolas" panose="020B0609020204030204" pitchFamily="49" charset="0"/>
-              </a:rPr>
-              <a:t> = </a:t>
-            </a:r>
-            <a:r>
-              <a:rPr lang="en-US" altLang="ko-KR" sz="1800">
-                <a:solidFill>
-                  <a:srgbClr val="6A3E3E"/>
-                </a:solidFill>
-                <a:latin typeface="Consolas" panose="020B0609020204030204" pitchFamily="49" charset="0"/>
-              </a:rPr>
-              <a:t>box</a:t>
-            </a:r>
-            <a:r>
-              <a:rPr lang="en-US" altLang="ko-KR" sz="1800">
-                <a:solidFill>
-                  <a:srgbClr val="000000"/>
-                </a:solidFill>
-                <a:latin typeface="Consolas" panose="020B0609020204030204" pitchFamily="49" charset="0"/>
-              </a:rPr>
-              <a:t>.s(</a:t>
-            </a:r>
-            <a:r>
-              <a:rPr lang="en-US" altLang="ko-KR" sz="1800">
-                <a:solidFill>
-                  <a:srgbClr val="2A00FF"/>
-                </a:solidFill>
-                <a:latin typeface="Consolas" panose="020B0609020204030204" pitchFamily="49" charset="0"/>
-              </a:rPr>
-              <a:t>"FIND_STR"</a:t>
-            </a:r>
-            <a:r>
-              <a:rPr lang="en-US" altLang="ko-KR" sz="1800">
-                <a:solidFill>
-                  <a:srgbClr val="000000"/>
-                </a:solidFill>
-                <a:latin typeface="Consolas" panose="020B0609020204030204" pitchFamily="49" charset="0"/>
-              </a:rPr>
-              <a:t>);</a:t>
-            </a:r>
-          </a:p>
-          <a:p>
-            <a:pPr lvl="1"/>
-            <a:r>
-              <a:rPr lang="ko-KR" altLang="en-US"/>
-              <a:t>카멜 표현법</a:t>
-            </a:r>
-            <a:endParaRPr lang="en-US" altLang="ko-KR"/>
-          </a:p>
-          <a:p>
-            <a:pPr lvl="2"/>
-            <a:r>
-              <a:rPr lang="ko-KR" altLang="en-US"/>
-              <a:t>객체를 사용할 때</a:t>
-            </a:r>
-            <a:endParaRPr lang="en-US" altLang="ko-KR"/>
-          </a:p>
-          <a:p>
-            <a:pPr lvl="2"/>
-            <a:r>
-              <a:rPr lang="en-US" altLang="ko-KR" sz="1800">
-                <a:solidFill>
-                  <a:srgbClr val="000000"/>
-                </a:solidFill>
-                <a:latin typeface="Consolas" panose="020B0609020204030204" pitchFamily="49" charset="0"/>
-              </a:rPr>
-              <a:t>UploadFileB </a:t>
-            </a:r>
-            <a:r>
-              <a:rPr lang="en-US" altLang="ko-KR" sz="1800">
-                <a:solidFill>
-                  <a:srgbClr val="6A3E3E"/>
-                </a:solidFill>
-                <a:latin typeface="Consolas" panose="020B0609020204030204" pitchFamily="49" charset="0"/>
-              </a:rPr>
-              <a:t>file1</a:t>
-            </a:r>
-            <a:r>
-              <a:rPr lang="en-US" altLang="ko-KR" sz="1800">
-                <a:solidFill>
-                  <a:srgbClr val="000000"/>
-                </a:solidFill>
-                <a:latin typeface="Consolas" panose="020B0609020204030204" pitchFamily="49" charset="0"/>
-              </a:rPr>
-              <a:t> = </a:t>
-            </a:r>
-            <a:r>
-              <a:rPr lang="en-US" altLang="ko-KR" sz="1800">
-                <a:solidFill>
-                  <a:srgbClr val="6A3E3E"/>
-                </a:solidFill>
-                <a:latin typeface="Consolas" panose="020B0609020204030204" pitchFamily="49" charset="0"/>
-              </a:rPr>
-              <a:t>box</a:t>
-            </a:r>
-            <a:r>
-              <a:rPr lang="en-US" altLang="ko-KR" sz="1800">
-                <a:solidFill>
-                  <a:srgbClr val="000000"/>
-                </a:solidFill>
-                <a:latin typeface="Consolas" panose="020B0609020204030204" pitchFamily="49" charset="0"/>
-              </a:rPr>
-              <a:t>.getUploadFileB(</a:t>
-            </a:r>
-            <a:r>
-              <a:rPr lang="en-US" altLang="ko-KR" sz="1800">
-                <a:solidFill>
-                  <a:srgbClr val="2A00FF"/>
-                </a:solidFill>
-                <a:latin typeface="Consolas" panose="020B0609020204030204" pitchFamily="49" charset="0"/>
-              </a:rPr>
-              <a:t>"FILE_1"</a:t>
-            </a:r>
-            <a:r>
-              <a:rPr lang="en-US" altLang="ko-KR" sz="1800">
-                <a:solidFill>
-                  <a:srgbClr val="000000"/>
-                </a:solidFill>
-                <a:latin typeface="Consolas" panose="020B0609020204030204" pitchFamily="49" charset="0"/>
-              </a:rPr>
-              <a:t>);</a:t>
-            </a:r>
-            <a:endParaRPr lang="en-US" altLang="ko-KR"/>
-          </a:p>
-          <a:p>
-            <a:r>
-              <a:rPr lang="ko-KR" altLang="en-US"/>
-              <a:t>오타를 최소화</a:t>
-            </a:r>
-            <a:endParaRPr lang="en-US" altLang="ko-KR"/>
-          </a:p>
-          <a:p>
-            <a:r>
-              <a:rPr lang="ko-KR" altLang="en-US"/>
-              <a:t>반복작업을 쉽게</a:t>
-            </a:r>
-            <a:endParaRPr lang="en-US" altLang="ko-KR"/>
-          </a:p>
-          <a:p>
-            <a:r>
-              <a:rPr lang="ko-KR" altLang="en-US"/>
-              <a:t>자동완성은 필요하지만 선택적으로</a:t>
-            </a:r>
-            <a:endParaRPr lang="en-US" altLang="ko-KR"/>
           </a:p>
         </p:txBody>
       </p:sp>
       <p:pic>
         <p:nvPicPr>
-          <p:cNvPr id="6" name="그림 5">
+          <p:cNvPr id="8" name="그림 7">
             <a:extLst>
               <a:ext uri="{FF2B5EF4-FFF2-40B4-BE49-F238E27FC236}">
-                <a16:creationId xmlns:a16="http://schemas.microsoft.com/office/drawing/2014/main" id="{013EA92F-A640-46EE-A091-318EB0DCDE36}"/>
+                <a16:creationId xmlns:a16="http://schemas.microsoft.com/office/drawing/2014/main" id="{AECDD459-EBAC-4C32-BC33-213E5223B667}"/>
               </a:ext>
             </a:extLst>
           </p:cNvPr>
@@ -17229,13 +16709,103 @@
         </p:nvPicPr>
         <p:blipFill rotWithShape="1">
           <a:blip r:embed="rId2"/>
-          <a:srcRect l="11338" r="6148"/>
+          <a:srcRect t="3204"/>
           <a:stretch/>
         </p:blipFill>
         <p:spPr>
           <a:xfrm>
-            <a:off x="7606513" y="752197"/>
-            <a:ext cx="3973189" cy="2749631"/>
+            <a:off x="1349986" y="4634348"/>
+            <a:ext cx="3391373" cy="1466158"/>
+          </a:xfrm>
+          <a:prstGeom prst="rect">
+            <a:avLst/>
+          </a:prstGeom>
+        </p:spPr>
+      </p:pic>
+      <p:pic>
+        <p:nvPicPr>
+          <p:cNvPr id="10" name="그림 9">
+            <a:extLst>
+              <a:ext uri="{FF2B5EF4-FFF2-40B4-BE49-F238E27FC236}">
+                <a16:creationId xmlns:a16="http://schemas.microsoft.com/office/drawing/2014/main" id="{FEB4F671-257F-464F-8899-0511BFD695E4}"/>
+              </a:ext>
+            </a:extLst>
+          </p:cNvPr>
+          <p:cNvPicPr>
+            <a:picLocks noChangeAspect="1"/>
+          </p:cNvPicPr>
+          <p:nvPr/>
+        </p:nvPicPr>
+        <p:blipFill>
+          <a:blip r:embed="rId3"/>
+          <a:stretch>
+            <a:fillRect/>
+          </a:stretch>
+        </p:blipFill>
+        <p:spPr>
+          <a:xfrm>
+            <a:off x="6959970" y="4634348"/>
+            <a:ext cx="3086531" cy="952633"/>
+          </a:xfrm>
+          <a:prstGeom prst="rect">
+            <a:avLst/>
+          </a:prstGeom>
+        </p:spPr>
+      </p:pic>
+      <p:pic>
+        <p:nvPicPr>
+          <p:cNvPr id="19" name="그림 18">
+            <a:extLst>
+              <a:ext uri="{FF2B5EF4-FFF2-40B4-BE49-F238E27FC236}">
+                <a16:creationId xmlns:a16="http://schemas.microsoft.com/office/drawing/2014/main" id="{EFAE1A1C-6499-4C70-8BF0-076EC71B876C}"/>
+              </a:ext>
+            </a:extLst>
+          </p:cNvPr>
+          <p:cNvPicPr>
+            <a:picLocks noChangeAspect="1"/>
+          </p:cNvPicPr>
+          <p:nvPr/>
+        </p:nvPicPr>
+        <p:blipFill>
+          <a:blip r:embed="rId4"/>
+          <a:stretch>
+            <a:fillRect/>
+          </a:stretch>
+        </p:blipFill>
+        <p:spPr>
+          <a:xfrm>
+            <a:off x="1459606" y="2345615"/>
+            <a:ext cx="3772426" cy="1924319"/>
+          </a:xfrm>
+          <a:prstGeom prst="rect">
+            <a:avLst/>
+          </a:prstGeom>
+        </p:spPr>
+      </p:pic>
+      <p:pic>
+        <p:nvPicPr>
+          <p:cNvPr id="20" name="그림 19">
+            <a:extLst>
+              <a:ext uri="{FF2B5EF4-FFF2-40B4-BE49-F238E27FC236}">
+                <a16:creationId xmlns:a16="http://schemas.microsoft.com/office/drawing/2014/main" id="{8B6A1D72-CCEA-4292-AB68-BBF5D1904090}"/>
+              </a:ext>
+            </a:extLst>
+          </p:cNvPr>
+          <p:cNvPicPr>
+            <a:picLocks noChangeAspect="1"/>
+          </p:cNvPicPr>
+          <p:nvPr/>
+        </p:nvPicPr>
+        <p:blipFill>
+          <a:blip r:embed="rId5"/>
+          <a:stretch>
+            <a:fillRect/>
+          </a:stretch>
+        </p:blipFill>
+        <p:spPr>
+          <a:xfrm>
+            <a:off x="6959970" y="2231135"/>
+            <a:ext cx="1876687" cy="1886213"/>
           </a:xfrm>
           <a:prstGeom prst="rect">
             <a:avLst/>
@@ -17245,7 +16815,7 @@
     </p:spTree>
     <p:extLst>
       <p:ext uri="{BB962C8B-B14F-4D97-AF65-F5344CB8AC3E}">
-        <p14:creationId xmlns:p14="http://schemas.microsoft.com/office/powerpoint/2010/main" val="482733878"/>
+        <p14:creationId xmlns:p14="http://schemas.microsoft.com/office/powerpoint/2010/main" val="1802240375"/>
       </p:ext>
     </p:extLst>
   </p:cSld>
@@ -17289,7 +16859,7 @@
           <p:cNvPr id="2" name="제목 1">
             <a:extLst>
               <a:ext uri="{FF2B5EF4-FFF2-40B4-BE49-F238E27FC236}">
-                <a16:creationId xmlns:a16="http://schemas.microsoft.com/office/drawing/2014/main" id="{BA5D0597-4C5A-4BCD-822E-643F66B48745}"/>
+                <a16:creationId xmlns:a16="http://schemas.microsoft.com/office/drawing/2014/main" id="{ECE38D4E-67D4-4A62-B70E-14AAEACD464E}"/>
               </a:ext>
             </a:extLst>
           </p:cNvPr>
@@ -17307,9 +16877,8 @@
           <a:p>
             <a:r>
               <a:rPr lang="ko-KR" altLang="en-US"/>
-              <a:t>네이밍 규칙</a:t>
+              <a:t>뷰리졸버</a:t>
             </a:r>
-            <a:endParaRPr lang="ko-KR" altLang="en-US" dirty="0"/>
           </a:p>
         </p:txBody>
       </p:sp>
@@ -17318,7 +16887,7 @@
           <p:cNvPr id="3" name="내용 개체 틀 2">
             <a:extLst>
               <a:ext uri="{FF2B5EF4-FFF2-40B4-BE49-F238E27FC236}">
-                <a16:creationId xmlns:a16="http://schemas.microsoft.com/office/drawing/2014/main" id="{0C9231FF-28EB-4164-A188-3E920050747B}"/>
+                <a16:creationId xmlns:a16="http://schemas.microsoft.com/office/drawing/2014/main" id="{C9ED4F31-9F2C-4B26-AA65-E9B332745754}"/>
               </a:ext>
             </a:extLst>
           </p:cNvPr>
@@ -17331,127 +16900,82 @@
         </p:nvSpPr>
         <p:spPr/>
         <p:txBody>
-          <a:bodyPr>
-            <a:normAutofit lnSpcReduction="10000"/>
-          </a:bodyPr>
+          <a:bodyPr/>
           <a:lstStyle/>
           <a:p>
             <a:r>
               <a:rPr lang="ko-KR" altLang="en-US"/>
-              <a:t>파일을 위한 규칙</a:t>
+              <a:t>서비스 로직과 표현을 분리</a:t>
             </a:r>
-            <a:endParaRPr lang="en-US" altLang="ko-KR"/>
-          </a:p>
-          <a:p>
-            <a:pPr lvl="1"/>
-            <a:r>
-              <a:rPr lang="en-US" altLang="ko-KR"/>
-              <a:t>Board,</a:t>
-            </a:r>
-            <a:r>
-              <a:rPr lang="ko-KR" altLang="en-US"/>
-              <a:t> </a:t>
-            </a:r>
-            <a:r>
-              <a:rPr lang="en-US" altLang="ko-KR"/>
-              <a:t>Login</a:t>
-            </a:r>
-          </a:p>
-          <a:p>
-            <a:pPr lvl="2"/>
-            <a:r>
-              <a:rPr lang="ko-KR" altLang="en-US"/>
-              <a:t>이름만 보고 서비스를 알 수 있음</a:t>
-            </a:r>
-            <a:endParaRPr lang="en-US" altLang="ko-KR"/>
-          </a:p>
-          <a:p>
-            <a:pPr lvl="2"/>
-            <a:r>
-              <a:rPr lang="ko-KR" altLang="en-US"/>
-              <a:t>관리자게시판</a:t>
-            </a:r>
-            <a:endParaRPr lang="en-US" altLang="ko-KR"/>
-          </a:p>
-          <a:p>
-            <a:pPr lvl="2"/>
-            <a:r>
-              <a:rPr lang="ko-KR" altLang="en-US"/>
-              <a:t>결의보고서</a:t>
-            </a:r>
-            <a:r>
-              <a:rPr lang="en-US" altLang="ko-KR"/>
-              <a:t>, </a:t>
-            </a:r>
-            <a:r>
-              <a:rPr lang="ko-KR" altLang="en-US"/>
-              <a:t>예산대비실적대비표</a:t>
-            </a:r>
-            <a:endParaRPr lang="en-US" altLang="ko-KR"/>
-          </a:p>
-          <a:p>
-            <a:pPr lvl="3"/>
-            <a:r>
-              <a:rPr lang="ko-KR" altLang="en-US"/>
-              <a:t>개발자 생각이 많아짐</a:t>
-            </a:r>
-            <a:endParaRPr lang="en-US" altLang="ko-KR"/>
-          </a:p>
-          <a:p>
-            <a:pPr lvl="3"/>
-            <a:r>
-              <a:rPr lang="ko-KR" altLang="en-US"/>
-              <a:t>업무사전이 필요</a:t>
-            </a:r>
-            <a:endParaRPr lang="en-US" altLang="ko-KR"/>
-          </a:p>
-          <a:p>
-            <a:pPr lvl="1"/>
-            <a:r>
-              <a:rPr lang="en-US" altLang="ko-KR"/>
-              <a:t>Brd</a:t>
-            </a:r>
-          </a:p>
-          <a:p>
-            <a:pPr lvl="2"/>
-            <a:r>
-              <a:rPr lang="ko-KR" altLang="en-US"/>
-              <a:t>이름만 보고 서비스를 알 수 없음</a:t>
-            </a:r>
-            <a:endParaRPr lang="en-US" altLang="ko-KR"/>
-          </a:p>
-          <a:p>
-            <a:pPr lvl="2"/>
-            <a:r>
-              <a:rPr lang="ko-KR" altLang="en-US"/>
-              <a:t>업무사전에 따름</a:t>
-            </a:r>
-            <a:endParaRPr lang="en-US" altLang="ko-KR"/>
-          </a:p>
-          <a:p>
-            <a:pPr lvl="3"/>
-            <a:r>
-              <a:rPr lang="ko-KR" altLang="en-US"/>
-              <a:t>개발자 생각을 줄여줌</a:t>
-            </a:r>
-            <a:endParaRPr lang="en-US" altLang="ko-KR"/>
-          </a:p>
-          <a:p>
-            <a:pPr lvl="2"/>
-            <a:r>
-              <a:rPr lang="ko-KR" altLang="en-US"/>
-              <a:t>파일 이름이 아닌 코드로 서비스를 이해</a:t>
-            </a:r>
-            <a:endParaRPr lang="en-US" altLang="ko-KR"/>
           </a:p>
         </p:txBody>
       </p:sp>
       <p:pic>
         <p:nvPicPr>
+          <p:cNvPr id="7" name="그림 6">
+            <a:extLst>
+              <a:ext uri="{FF2B5EF4-FFF2-40B4-BE49-F238E27FC236}">
+                <a16:creationId xmlns:a16="http://schemas.microsoft.com/office/drawing/2014/main" id="{F6A9903E-561B-4461-BF78-C45B0790ACE3}"/>
+              </a:ext>
+            </a:extLst>
+          </p:cNvPr>
+          <p:cNvPicPr>
+            <a:picLocks noChangeAspect="1"/>
+          </p:cNvPicPr>
+          <p:nvPr/>
+        </p:nvPicPr>
+        <p:blipFill>
+          <a:blip r:embed="rId2"/>
+          <a:stretch>
+            <a:fillRect/>
+          </a:stretch>
+        </p:blipFill>
+        <p:spPr>
+          <a:xfrm>
+            <a:off x="1459606" y="2345615"/>
+            <a:ext cx="3772426" cy="1924319"/>
+          </a:xfrm>
+          <a:prstGeom prst="rect">
+            <a:avLst/>
+          </a:prstGeom>
+        </p:spPr>
+      </p:pic>
+      <p:pic>
+        <p:nvPicPr>
+          <p:cNvPr id="12" name="그림 11">
+            <a:extLst>
+              <a:ext uri="{FF2B5EF4-FFF2-40B4-BE49-F238E27FC236}">
+                <a16:creationId xmlns:a16="http://schemas.microsoft.com/office/drawing/2014/main" id="{CFBD5A99-D0C9-41EE-B655-CEAB749A0C56}"/>
+              </a:ext>
+            </a:extLst>
+          </p:cNvPr>
+          <p:cNvPicPr>
+            <a:picLocks noChangeAspect="1"/>
+          </p:cNvPicPr>
+          <p:nvPr/>
+        </p:nvPicPr>
+        <p:blipFill>
+          <a:blip r:embed="rId3"/>
+          <a:stretch>
+            <a:fillRect/>
+          </a:stretch>
+        </p:blipFill>
+        <p:spPr>
+          <a:xfrm>
+            <a:off x="6959970" y="2231135"/>
+            <a:ext cx="1876687" cy="1886213"/>
+          </a:xfrm>
+          <a:prstGeom prst="rect">
+            <a:avLst/>
+          </a:prstGeom>
+        </p:spPr>
+      </p:pic>
+      <p:pic>
+        <p:nvPicPr>
           <p:cNvPr id="5" name="그림 4">
             <a:extLst>
               <a:ext uri="{FF2B5EF4-FFF2-40B4-BE49-F238E27FC236}">
-                <a16:creationId xmlns:a16="http://schemas.microsoft.com/office/drawing/2014/main" id="{3BA3B39B-19CE-4F43-A195-57641025F851}"/>
+                <a16:creationId xmlns:a16="http://schemas.microsoft.com/office/drawing/2014/main" id="{C13D3148-710E-4D02-AEEE-28A2C026306F}"/>
               </a:ext>
             </a:extLst>
           </p:cNvPr>
@@ -17461,14 +16985,44 @@
           <p:nvPr/>
         </p:nvPicPr>
         <p:blipFill rotWithShape="1">
-          <a:blip r:embed="rId2"/>
-          <a:srcRect t="3769"/>
+          <a:blip r:embed="rId4"/>
+          <a:srcRect l="2476" t="5648" r="-1" b="21079"/>
           <a:stretch/>
         </p:blipFill>
         <p:spPr>
           <a:xfrm>
-            <a:off x="8736991" y="1803435"/>
-            <a:ext cx="2486372" cy="3987765"/>
+            <a:off x="6974877" y="4367281"/>
+            <a:ext cx="1366434" cy="1966857"/>
+          </a:xfrm>
+          <a:prstGeom prst="rect">
+            <a:avLst/>
+          </a:prstGeom>
+        </p:spPr>
+      </p:pic>
+      <p:pic>
+        <p:nvPicPr>
+          <p:cNvPr id="11" name="그림 10">
+            <a:extLst>
+              <a:ext uri="{FF2B5EF4-FFF2-40B4-BE49-F238E27FC236}">
+                <a16:creationId xmlns:a16="http://schemas.microsoft.com/office/drawing/2014/main" id="{63DA26D4-C1E1-437F-A192-683499CD4038}"/>
+              </a:ext>
+            </a:extLst>
+          </p:cNvPr>
+          <p:cNvPicPr>
+            <a:picLocks noChangeAspect="1"/>
+          </p:cNvPicPr>
+          <p:nvPr/>
+        </p:nvPicPr>
+        <p:blipFill>
+          <a:blip r:embed="rId5"/>
+          <a:stretch>
+            <a:fillRect/>
+          </a:stretch>
+        </p:blipFill>
+        <p:spPr>
+          <a:xfrm>
+            <a:off x="1459606" y="4367281"/>
+            <a:ext cx="2021258" cy="2418470"/>
           </a:xfrm>
           <a:prstGeom prst="rect">
             <a:avLst/>
@@ -17478,7 +17032,7 @@
     </p:spTree>
     <p:extLst>
       <p:ext uri="{BB962C8B-B14F-4D97-AF65-F5344CB8AC3E}">
-        <p14:creationId xmlns:p14="http://schemas.microsoft.com/office/powerpoint/2010/main" val="3811199839"/>
+        <p14:creationId xmlns:p14="http://schemas.microsoft.com/office/powerpoint/2010/main" val="1135433405"/>
       </p:ext>
     </p:extLst>
   </p:cSld>
@@ -17522,7 +17076,7 @@
           <p:cNvPr id="2" name="제목 1">
             <a:extLst>
               <a:ext uri="{FF2B5EF4-FFF2-40B4-BE49-F238E27FC236}">
-                <a16:creationId xmlns:a16="http://schemas.microsoft.com/office/drawing/2014/main" id="{BA5D0597-4C5A-4BCD-822E-643F66B48745}"/>
+                <a16:creationId xmlns:a16="http://schemas.microsoft.com/office/drawing/2014/main" id="{8BB4FC0C-70CB-4490-B01D-D55FE9F92173}"/>
               </a:ext>
             </a:extLst>
           </p:cNvPr>
@@ -17540,9 +17094,8 @@
           <a:p>
             <a:r>
               <a:rPr lang="ko-KR" altLang="en-US"/>
-              <a:t>네이밍 규칙</a:t>
+              <a:t>뷰리졸버를 좀더 사용하기 편하게</a:t>
             </a:r>
-            <a:endParaRPr lang="ko-KR" altLang="en-US" dirty="0"/>
           </a:p>
         </p:txBody>
       </p:sp>
@@ -17551,7 +17104,7 @@
           <p:cNvPr id="3" name="내용 개체 틀 2">
             <a:extLst>
               <a:ext uri="{FF2B5EF4-FFF2-40B4-BE49-F238E27FC236}">
-                <a16:creationId xmlns:a16="http://schemas.microsoft.com/office/drawing/2014/main" id="{0C9231FF-28EB-4164-A188-3E920050747B}"/>
+                <a16:creationId xmlns:a16="http://schemas.microsoft.com/office/drawing/2014/main" id="{9C0EFB40-3126-4524-9CF8-E86E930A65CA}"/>
               </a:ext>
             </a:extLst>
           </p:cNvPr>
@@ -17564,14 +17117,12 @@
         </p:nvSpPr>
         <p:spPr/>
         <p:txBody>
-          <a:bodyPr>
-            <a:normAutofit/>
-          </a:bodyPr>
+          <a:bodyPr/>
           <a:lstStyle/>
           <a:p>
             <a:r>
               <a:rPr lang="ko-KR" altLang="en-US"/>
-              <a:t>서비스 이름을 위한 규칙</a:t>
+              <a:t>기준경로 사용</a:t>
             </a:r>
             <a:endParaRPr lang="en-US" altLang="ko-KR"/>
           </a:p>
@@ -17579,94 +17130,22 @@
             <a:pPr lvl="1"/>
             <a:r>
               <a:rPr lang="ko-KR" altLang="en-US"/>
-              <a:t>업무사전 </a:t>
+              <a:t>클래스위치 </a:t>
             </a:r>
             <a:r>
               <a:rPr lang="en-US" altLang="ko-KR"/>
-              <a:t>+ </a:t>
+              <a:t>+ /jsp/ + list.jsp</a:t>
             </a:r>
-            <a:r>
-              <a:rPr lang="ko-KR" altLang="en-US"/>
-              <a:t>일련번호</a:t>
-            </a:r>
-            <a:endParaRPr lang="en-US" altLang="ko-KR"/>
-          </a:p>
-          <a:p>
-            <a:pPr lvl="2"/>
-            <a:r>
-              <a:rPr lang="ko-KR" altLang="en-US"/>
-              <a:t>개발자의 생각을 줄여줌</a:t>
-            </a:r>
-            <a:endParaRPr lang="en-US" altLang="ko-KR"/>
-          </a:p>
-          <a:p>
-            <a:pPr lvl="1"/>
-            <a:r>
-              <a:rPr lang="ko-KR" altLang="en-US"/>
-              <a:t>이름으로만 기능 확인이 불가능</a:t>
-            </a:r>
-            <a:endParaRPr lang="en-US" altLang="ko-KR"/>
-          </a:p>
-          <a:p>
-            <a:pPr lvl="2"/>
-            <a:r>
-              <a:rPr lang="en-US" altLang="ko-KR"/>
-              <a:t>exeWrite</a:t>
-            </a:r>
-            <a:r>
-              <a:rPr lang="ko-KR" altLang="en-US"/>
-              <a:t> </a:t>
-            </a:r>
-            <a:endParaRPr lang="en-US" altLang="ko-KR"/>
-          </a:p>
-          <a:p>
-            <a:pPr lvl="3"/>
-            <a:r>
-              <a:rPr lang="ko-KR" altLang="en-US"/>
-              <a:t>게시물을 쓰고</a:t>
-            </a:r>
-            <a:endParaRPr lang="en-US" altLang="ko-KR"/>
-          </a:p>
-          <a:p>
-            <a:pPr lvl="3"/>
-            <a:r>
-              <a:rPr lang="ko-KR" altLang="en-US"/>
-              <a:t>리스트로 가지만</a:t>
-            </a:r>
-            <a:endParaRPr lang="en-US" altLang="ko-KR"/>
-          </a:p>
-          <a:p>
-            <a:pPr lvl="3"/>
-            <a:r>
-              <a:rPr lang="ko-KR" altLang="en-US"/>
-              <a:t>관리자일때는 게시물 수정 화면으로 이동</a:t>
-            </a:r>
-            <a:endParaRPr lang="en-US" altLang="ko-KR"/>
-          </a:p>
-          <a:p>
-            <a:pPr lvl="1"/>
-            <a:r>
-              <a:rPr lang="ko-KR" altLang="en-US">
-                <a:solidFill>
-                  <a:srgbClr val="FF0000"/>
-                </a:solidFill>
-              </a:rPr>
-              <a:t>서비스는 서비스의 메타와 코드로 기능 확인</a:t>
-            </a:r>
-            <a:endParaRPr lang="en-US" altLang="ko-KR">
-              <a:solidFill>
-                <a:srgbClr val="FF0000"/>
-              </a:solidFill>
-            </a:endParaRPr>
+            <a:endParaRPr lang="ko-KR" altLang="en-US"/>
           </a:p>
         </p:txBody>
       </p:sp>
       <p:pic>
         <p:nvPicPr>
-          <p:cNvPr id="6" name="그림 5">
+          <p:cNvPr id="5" name="그림 4">
             <a:extLst>
               <a:ext uri="{FF2B5EF4-FFF2-40B4-BE49-F238E27FC236}">
-                <a16:creationId xmlns:a16="http://schemas.microsoft.com/office/drawing/2014/main" id="{41ABCE4A-1405-417C-9D3B-63157D532DDA}"/>
+                <a16:creationId xmlns:a16="http://schemas.microsoft.com/office/drawing/2014/main" id="{B8387E8B-35A6-41EB-8830-9A797571D899}"/>
               </a:ext>
             </a:extLst>
           </p:cNvPr>
@@ -17683,8 +17162,8 @@
         </p:blipFill>
         <p:spPr>
           <a:xfrm>
-            <a:off x="7549623" y="1278780"/>
-            <a:ext cx="1939283" cy="2051597"/>
+            <a:off x="4419366" y="3238144"/>
+            <a:ext cx="3353268" cy="1943371"/>
           </a:xfrm>
           <a:prstGeom prst="rect">
             <a:avLst/>
@@ -17693,10 +17172,10 @@
       </p:pic>
       <p:pic>
         <p:nvPicPr>
-          <p:cNvPr id="8" name="그림 7">
+          <p:cNvPr id="7" name="그림 6">
             <a:extLst>
               <a:ext uri="{FF2B5EF4-FFF2-40B4-BE49-F238E27FC236}">
-                <a16:creationId xmlns:a16="http://schemas.microsoft.com/office/drawing/2014/main" id="{DB35363A-E615-48F0-94BD-0D21D3F49DAC}"/>
+                <a16:creationId xmlns:a16="http://schemas.microsoft.com/office/drawing/2014/main" id="{1655D802-D105-48A4-8481-56A773F7F305}"/>
               </a:ext>
             </a:extLst>
           </p:cNvPr>
@@ -17713,8 +17192,38 @@
         </p:blipFill>
         <p:spPr>
           <a:xfrm>
-            <a:off x="7549623" y="3527623"/>
-            <a:ext cx="4258922" cy="2342407"/>
+            <a:off x="8359826" y="3236399"/>
+            <a:ext cx="1676634" cy="1705213"/>
+          </a:xfrm>
+          <a:prstGeom prst="rect">
+            <a:avLst/>
+          </a:prstGeom>
+        </p:spPr>
+      </p:pic>
+      <p:pic>
+        <p:nvPicPr>
+          <p:cNvPr id="9" name="그림 8">
+            <a:extLst>
+              <a:ext uri="{FF2B5EF4-FFF2-40B4-BE49-F238E27FC236}">
+                <a16:creationId xmlns:a16="http://schemas.microsoft.com/office/drawing/2014/main" id="{91F14E34-85E5-46E0-9138-058EAC1CEA93}"/>
+              </a:ext>
+            </a:extLst>
+          </p:cNvPr>
+          <p:cNvPicPr>
+            <a:picLocks noChangeAspect="1"/>
+          </p:cNvPicPr>
+          <p:nvPr/>
+        </p:nvPicPr>
+        <p:blipFill>
+          <a:blip r:embed="rId4"/>
+          <a:stretch>
+            <a:fillRect/>
+          </a:stretch>
+        </p:blipFill>
+        <p:spPr>
+          <a:xfrm>
+            <a:off x="2349054" y="3238144"/>
+            <a:ext cx="1629002" cy="2553056"/>
           </a:xfrm>
           <a:prstGeom prst="rect">
             <a:avLst/>
@@ -17724,197 +17233,7 @@
     </p:spTree>
     <p:extLst>
       <p:ext uri="{BB962C8B-B14F-4D97-AF65-F5344CB8AC3E}">
-        <p14:creationId xmlns:p14="http://schemas.microsoft.com/office/powerpoint/2010/main" val="738548250"/>
-      </p:ext>
-    </p:extLst>
-  </p:cSld>
-  <p:clrMapOvr>
-    <a:masterClrMapping/>
-  </p:clrMapOvr>
-  <mc:AlternateContent xmlns:mc="http://schemas.openxmlformats.org/markup-compatibility/2006" xmlns:p14="http://schemas.microsoft.com/office/powerpoint/2010/main">
-    <mc:Choice Requires="p14">
-      <p:transition spd="med" p14:dur="700">
-        <p:fade/>
-      </p:transition>
-    </mc:Choice>
-    <mc:Fallback xmlns="">
-      <p:transition spd="med">
-        <p:fade/>
-      </p:transition>
-    </mc:Fallback>
-  </mc:AlternateContent>
-</p:sld>
-</file>
-
-<file path=ppt/slides/slide8.xml><?xml version="1.0" encoding="utf-8"?>
-<p:sld xmlns:a="http://schemas.openxmlformats.org/drawingml/2006/main" xmlns:r="http://schemas.openxmlformats.org/officeDocument/2006/relationships" xmlns:p="http://schemas.openxmlformats.org/presentationml/2006/main">
-  <p:cSld>
-    <p:spTree>
-      <p:nvGrpSpPr>
-        <p:cNvPr id="1" name=""/>
-        <p:cNvGrpSpPr/>
-        <p:nvPr/>
-      </p:nvGrpSpPr>
-      <p:grpSpPr>
-        <a:xfrm>
-          <a:off x="0" y="0"/>
-          <a:ext cx="0" cy="0"/>
-          <a:chOff x="0" y="0"/>
-          <a:chExt cx="0" cy="0"/>
-        </a:xfrm>
-      </p:grpSpPr>
-      <p:sp>
-        <p:nvSpPr>
-          <p:cNvPr id="2" name="제목 1">
-            <a:extLst>
-              <a:ext uri="{FF2B5EF4-FFF2-40B4-BE49-F238E27FC236}">
-                <a16:creationId xmlns:a16="http://schemas.microsoft.com/office/drawing/2014/main" id="{BA5D0597-4C5A-4BCD-822E-643F66B48745}"/>
-              </a:ext>
-            </a:extLst>
-          </p:cNvPr>
-          <p:cNvSpPr>
-            <a:spLocks noGrp="1"/>
-          </p:cNvSpPr>
-          <p:nvPr>
-            <p:ph type="title"/>
-          </p:nvPr>
-        </p:nvSpPr>
-        <p:spPr/>
-        <p:txBody>
-          <a:bodyPr/>
-          <a:lstStyle/>
-          <a:p>
-            <a:r>
-              <a:rPr lang="ko-KR" altLang="en-US"/>
-              <a:t>높은 응집도와 낮은 결합도를 위한</a:t>
-            </a:r>
-            <a:br>
-              <a:rPr lang="en-US" altLang="ko-KR"/>
-            </a:br>
-            <a:r>
-              <a:rPr lang="ko-KR" altLang="en-US"/>
-              <a:t>패키지</a:t>
-            </a:r>
-            <a:r>
-              <a:rPr lang="en-US" altLang="ko-KR"/>
-              <a:t>,</a:t>
-            </a:r>
-            <a:r>
-              <a:rPr lang="ko-KR" altLang="en-US"/>
-              <a:t>네이밍규칙</a:t>
-            </a:r>
-            <a:endParaRPr lang="ko-KR" altLang="en-US" dirty="0"/>
-          </a:p>
-        </p:txBody>
-      </p:sp>
-      <p:sp>
-        <p:nvSpPr>
-          <p:cNvPr id="3" name="내용 개체 틀 2">
-            <a:extLst>
-              <a:ext uri="{FF2B5EF4-FFF2-40B4-BE49-F238E27FC236}">
-                <a16:creationId xmlns:a16="http://schemas.microsoft.com/office/drawing/2014/main" id="{0C9231FF-28EB-4164-A188-3E920050747B}"/>
-              </a:ext>
-            </a:extLst>
-          </p:cNvPr>
-          <p:cNvSpPr>
-            <a:spLocks noGrp="1"/>
-          </p:cNvSpPr>
-          <p:nvPr>
-            <p:ph idx="1"/>
-          </p:nvPr>
-        </p:nvSpPr>
-        <p:spPr/>
-        <p:txBody>
-          <a:bodyPr>
-            <a:normAutofit/>
-          </a:bodyPr>
-          <a:lstStyle/>
-          <a:p>
-            <a:r>
-              <a:rPr lang="ko-KR" altLang="en-US"/>
-              <a:t>높은 응집도</a:t>
-            </a:r>
-            <a:endParaRPr lang="en-US" altLang="ko-KR"/>
-          </a:p>
-          <a:p>
-            <a:pPr lvl="1"/>
-            <a:r>
-              <a:rPr lang="ko-KR" altLang="en-US"/>
-              <a:t>서비스 기준으로 패키지</a:t>
-            </a:r>
-            <a:endParaRPr lang="en-US" altLang="ko-KR"/>
-          </a:p>
-          <a:p>
-            <a:r>
-              <a:rPr lang="ko-KR" altLang="en-US"/>
-              <a:t>낮은 결합도</a:t>
-            </a:r>
-            <a:endParaRPr lang="en-US" altLang="ko-KR"/>
-          </a:p>
-          <a:p>
-            <a:pPr lvl="1"/>
-            <a:r>
-              <a:rPr lang="ko-KR" altLang="en-US"/>
-              <a:t>시작은 </a:t>
-            </a:r>
-            <a:r>
-              <a:rPr lang="en-US" altLang="ko-KR"/>
-              <a:t>default, </a:t>
-            </a:r>
-            <a:r>
-              <a:rPr lang="ko-KR" altLang="en-US"/>
-              <a:t>마무리는 </a:t>
-            </a:r>
-            <a:r>
-              <a:rPr lang="en-US" altLang="ko-KR"/>
-              <a:t>private</a:t>
-            </a:r>
-          </a:p>
-          <a:p>
-            <a:r>
-              <a:rPr lang="ko-KR" altLang="en-US"/>
-              <a:t>개발자의 생각을 줄임</a:t>
-            </a:r>
-            <a:endParaRPr lang="en-US" altLang="ko-KR"/>
-          </a:p>
-          <a:p>
-            <a:pPr lvl="1"/>
-            <a:r>
-              <a:rPr lang="ko-KR" altLang="en-US"/>
-              <a:t>업무 약어 </a:t>
-            </a:r>
-            <a:r>
-              <a:rPr lang="en-US" altLang="ko-KR"/>
-              <a:t>+ </a:t>
-            </a:r>
-            <a:r>
-              <a:rPr lang="ko-KR" altLang="en-US"/>
-              <a:t>일련번호</a:t>
-            </a:r>
-            <a:endParaRPr lang="en-US" altLang="ko-KR"/>
-          </a:p>
-          <a:p>
-            <a:pPr lvl="1"/>
-            <a:r>
-              <a:rPr lang="ko-KR" altLang="en-US"/>
-              <a:t>카멜표현법 </a:t>
-            </a:r>
-            <a:r>
-              <a:rPr lang="en-US" altLang="ko-KR"/>
-              <a:t>+ </a:t>
-            </a:r>
-            <a:r>
-              <a:rPr lang="ko-KR" altLang="en-US"/>
-              <a:t>언더라인 표현법</a:t>
-            </a:r>
-            <a:endParaRPr lang="en-US" altLang="ko-KR" dirty="0"/>
-          </a:p>
-        </p:txBody>
-      </p:sp>
-    </p:spTree>
-    <p:extLst>
-      <p:ext uri="{BB962C8B-B14F-4D97-AF65-F5344CB8AC3E}">
-        <p14:creationId xmlns:p14="http://schemas.microsoft.com/office/powerpoint/2010/main" val="4152099398"/>
+        <p14:creationId xmlns:p14="http://schemas.microsoft.com/office/powerpoint/2010/main" val="511461358"/>
       </p:ext>
     </p:extLst>
   </p:cSld>
